--- a/Camunda_Pub/Camunda_Pub_3.pptx
+++ b/Camunda_Pub/Camunda_Pub_3.pptx
@@ -5,12 +5,14 @@
     <p:sldMasterId id="2147483819" r:id="rId1"/>
   </p:sldMasterIdLst>
   <p:notesMasterIdLst>
-    <p:notesMasterId r:id="rId5"/>
+    <p:notesMasterId r:id="rId7"/>
   </p:notesMasterIdLst>
   <p:sldIdLst>
     <p:sldId id="256" r:id="rId2"/>
     <p:sldId id="258" r:id="rId3"/>
     <p:sldId id="260" r:id="rId4"/>
+    <p:sldId id="261" r:id="rId5"/>
+    <p:sldId id="262" r:id="rId6"/>
   </p:sldIdLst>
   <p:sldSz cx="12192000" cy="6858000"/>
   <p:notesSz cx="6858000" cy="9144000"/>
@@ -211,7 +213,7 @@
           <a:p>
             <a:fld id="{FA7BF9BB-87A5-4B40-B5CE-AE4DE684E8BA}" type="datetimeFigureOut">
               <a:rPr lang="ru-RU" smtClean="0"/>
-              <a:t>15.06.2020</a:t>
+              <a:t>16.06.2020</a:t>
             </a:fld>
             <a:endParaRPr lang="ru-RU"/>
           </a:p>
@@ -1200,7 +1202,7 @@
           <a:p>
             <a:fld id="{1263CF4E-E5E2-CA4E-A170-0BB1B83A8381}" type="datetime1">
               <a:rPr lang="ru-RU" smtClean="0"/>
-              <a:t>15.06.2020</a:t>
+              <a:t>16.06.2020</a:t>
             </a:fld>
             <a:endParaRPr lang="ru-RU"/>
           </a:p>
@@ -1451,7 +1453,7 @@
           <a:p>
             <a:fld id="{CA7A0AC9-41A0-AF4A-B009-44981296D735}" type="datetime1">
               <a:rPr lang="ru-RU" smtClean="0"/>
-              <a:t>15.06.2020</a:t>
+              <a:t>16.06.2020</a:t>
             </a:fld>
             <a:endParaRPr lang="ru-RU"/>
           </a:p>
@@ -1765,7 +1767,7 @@
           <a:p>
             <a:fld id="{1A993C1D-A957-8244-B1E8-44900D631399}" type="datetime1">
               <a:rPr lang="ru-RU" smtClean="0"/>
-              <a:t>15.06.2020</a:t>
+              <a:t>16.06.2020</a:t>
             </a:fld>
             <a:endParaRPr lang="ru-RU"/>
           </a:p>
@@ -2106,7 +2108,7 @@
           <a:p>
             <a:fld id="{40E11D66-365D-5243-8A1D-A6D4DA6E6091}" type="datetime1">
               <a:rPr lang="ru-RU" smtClean="0"/>
-              <a:t>15.06.2020</a:t>
+              <a:t>16.06.2020</a:t>
             </a:fld>
             <a:endParaRPr lang="ru-RU"/>
           </a:p>
@@ -2420,7 +2422,7 @@
           <a:p>
             <a:fld id="{52C5C695-EE54-C14B-AEAD-6562FA2DAA66}" type="datetime1">
               <a:rPr lang="ru-RU" smtClean="0"/>
-              <a:t>15.06.2020</a:t>
+              <a:t>16.06.2020</a:t>
             </a:fld>
             <a:endParaRPr lang="ru-RU"/>
           </a:p>
@@ -2813,7 +2815,7 @@
           <a:p>
             <a:fld id="{5987A0B7-27C1-8C4F-B8FC-CE52FDBC0123}" type="datetime1">
               <a:rPr lang="ru-RU" smtClean="0"/>
-              <a:t>15.06.2020</a:t>
+              <a:t>16.06.2020</a:t>
             </a:fld>
             <a:endParaRPr lang="ru-RU"/>
           </a:p>
@@ -2983,7 +2985,7 @@
           <a:p>
             <a:fld id="{4100352E-0B02-3949-9824-42D12E23EE95}" type="datetime1">
               <a:rPr lang="ru-RU" smtClean="0"/>
-              <a:t>15.06.2020</a:t>
+              <a:t>16.06.2020</a:t>
             </a:fld>
             <a:endParaRPr lang="ru-RU"/>
           </a:p>
@@ -3163,7 +3165,7 @@
           <a:p>
             <a:fld id="{F0A2CF30-7CE9-D545-9F0A-B8027B36066A}" type="datetime1">
               <a:rPr lang="ru-RU" smtClean="0"/>
-              <a:t>15.06.2020</a:t>
+              <a:t>16.06.2020</a:t>
             </a:fld>
             <a:endParaRPr lang="ru-RU"/>
           </a:p>
@@ -3339,7 +3341,7 @@
           <a:p>
             <a:fld id="{FD8772D6-7D53-084D-9B4F-0E64E1C07239}" type="datetime1">
               <a:rPr lang="ru-RU" smtClean="0"/>
-              <a:t>15.06.2020</a:t>
+              <a:t>16.06.2020</a:t>
             </a:fld>
             <a:endParaRPr lang="ru-RU"/>
           </a:p>
@@ -3586,7 +3588,7 @@
           <a:p>
             <a:fld id="{59FF98C2-8E93-2041-A35E-F5B138FF0280}" type="datetime1">
               <a:rPr lang="ru-RU" smtClean="0"/>
-              <a:t>15.06.2020</a:t>
+              <a:t>16.06.2020</a:t>
             </a:fld>
             <a:endParaRPr lang="ru-RU"/>
           </a:p>
@@ -3818,7 +3820,7 @@
           <a:p>
             <a:fld id="{2F08B658-2207-804C-9112-672067DC5650}" type="datetime1">
               <a:rPr lang="ru-RU" smtClean="0"/>
-              <a:t>15.06.2020</a:t>
+              <a:t>16.06.2020</a:t>
             </a:fld>
             <a:endParaRPr lang="ru-RU"/>
           </a:p>
@@ -4197,7 +4199,7 @@
           <a:p>
             <a:fld id="{A64CC6A0-E463-E24A-A6B9-66F0695663C2}" type="datetime1">
               <a:rPr lang="ru-RU" smtClean="0"/>
-              <a:t>15.06.2020</a:t>
+              <a:t>16.06.2020</a:t>
             </a:fld>
             <a:endParaRPr lang="ru-RU"/>
           </a:p>
@@ -4325,7 +4327,7 @@
           <a:p>
             <a:fld id="{5F2B54D7-BF6B-4446-8319-800AF4FD7086}" type="datetime1">
               <a:rPr lang="ru-RU" smtClean="0"/>
-              <a:t>15.06.2020</a:t>
+              <a:t>16.06.2020</a:t>
             </a:fld>
             <a:endParaRPr lang="ru-RU"/>
           </a:p>
@@ -4420,7 +4422,7 @@
           <a:p>
             <a:fld id="{248F43BD-C413-EA46-9B21-B509EE240E8B}" type="datetime1">
               <a:rPr lang="ru-RU" smtClean="0"/>
-              <a:t>15.06.2020</a:t>
+              <a:t>16.06.2020</a:t>
             </a:fld>
             <a:endParaRPr lang="ru-RU"/>
           </a:p>
@@ -4675,7 +4677,7 @@
           <a:p>
             <a:fld id="{12DE43BF-EEA3-0C48-AB31-05ECC9BD25EF}" type="datetime1">
               <a:rPr lang="ru-RU" smtClean="0"/>
-              <a:t>15.06.2020</a:t>
+              <a:t>16.06.2020</a:t>
             </a:fld>
             <a:endParaRPr lang="ru-RU"/>
           </a:p>
@@ -4943,7 +4945,7 @@
           <a:p>
             <a:fld id="{326C041F-1871-634A-A3CF-64A13FCD317A}" type="datetime1">
               <a:rPr lang="ru-RU" smtClean="0"/>
-              <a:t>15.06.2020</a:t>
+              <a:t>16.06.2020</a:t>
             </a:fld>
             <a:endParaRPr lang="ru-RU"/>
           </a:p>
@@ -5686,7 +5688,7 @@
           <a:p>
             <a:fld id="{5521ACA4-48C4-324A-B635-90E8C981B4C0}" type="datetime1">
               <a:rPr lang="ru-RU" smtClean="0"/>
-              <a:t>15.06.2020</a:t>
+              <a:t>16.06.2020</a:t>
             </a:fld>
             <a:endParaRPr lang="ru-RU"/>
           </a:p>
@@ -7493,9 +7495,10 @@
               <a:t>: ветка </a:t>
             </a:r>
             <a:r>
-              <a:rPr lang="en" dirty="0"/>
-              <a:t>exercise_1</a:t>
-            </a:r>
+              <a:rPr lang="en"/>
+              <a:t>exercise_2</a:t>
+            </a:r>
+            <a:endParaRPr lang="en" dirty="0"/>
           </a:p>
           <a:p>
             <a:endParaRPr lang="en" dirty="0"/>
@@ -7791,6 +7794,496 @@
     <p:extLst>
       <p:ext uri="{BB962C8B-B14F-4D97-AF65-F5344CB8AC3E}">
         <p14:creationId xmlns:p14="http://schemas.microsoft.com/office/powerpoint/2010/main" val="4152034892"/>
+      </p:ext>
+    </p:extLst>
+  </p:cSld>
+  <p:clrMapOvr>
+    <a:masterClrMapping/>
+  </p:clrMapOvr>
+</p:sld>
+</file>
+
+<file path=ppt/slides/slide4.xml><?xml version="1.0" encoding="utf-8"?>
+<p:sld xmlns:a="http://schemas.openxmlformats.org/drawingml/2006/main" xmlns:r="http://schemas.openxmlformats.org/officeDocument/2006/relationships" xmlns:p="http://schemas.openxmlformats.org/presentationml/2006/main">
+  <p:cSld>
+    <p:spTree>
+      <p:nvGrpSpPr>
+        <p:cNvPr id="1" name=""/>
+        <p:cNvGrpSpPr/>
+        <p:nvPr/>
+      </p:nvGrpSpPr>
+      <p:grpSpPr>
+        <a:xfrm>
+          <a:off x="0" y="0"/>
+          <a:ext cx="0" cy="0"/>
+          <a:chOff x="0" y="0"/>
+          <a:chExt cx="0" cy="0"/>
+        </a:xfrm>
+      </p:grpSpPr>
+      <p:sp>
+        <p:nvSpPr>
+          <p:cNvPr id="2" name="Заголовок 1">
+            <a:extLst>
+              <a:ext uri="{FF2B5EF4-FFF2-40B4-BE49-F238E27FC236}">
+                <a16:creationId xmlns:a16="http://schemas.microsoft.com/office/drawing/2014/main" id="{C22E42EB-621D-5348-9BE9-EB9893DB88D1}"/>
+              </a:ext>
+            </a:extLst>
+          </p:cNvPr>
+          <p:cNvSpPr>
+            <a:spLocks noGrp="1"/>
+          </p:cNvSpPr>
+          <p:nvPr>
+            <p:ph type="title"/>
+          </p:nvPr>
+        </p:nvSpPr>
+        <p:spPr>
+          <a:xfrm>
+            <a:off x="677334" y="609600"/>
+            <a:ext cx="8596668" cy="711200"/>
+          </a:xfrm>
+        </p:spPr>
+        <p:txBody>
+          <a:bodyPr/>
+          <a:lstStyle/>
+          <a:p>
+            <a:r>
+              <a:rPr lang="ru-RU" dirty="0"/>
+              <a:t>Функции</a:t>
+            </a:r>
+          </a:p>
+        </p:txBody>
+      </p:sp>
+      <p:sp>
+        <p:nvSpPr>
+          <p:cNvPr id="4" name="TextBox 3">
+            <a:extLst>
+              <a:ext uri="{FF2B5EF4-FFF2-40B4-BE49-F238E27FC236}">
+                <a16:creationId xmlns:a16="http://schemas.microsoft.com/office/drawing/2014/main" id="{BEE0724F-83D3-9A49-A2C6-02E1461E638B}"/>
+              </a:ext>
+            </a:extLst>
+          </p:cNvPr>
+          <p:cNvSpPr txBox="1"/>
+          <p:nvPr/>
+        </p:nvSpPr>
+        <p:spPr>
+          <a:xfrm>
+            <a:off x="811369" y="1584101"/>
+            <a:ext cx="7972023" cy="646331"/>
+          </a:xfrm>
+          <a:prstGeom prst="rect">
+            <a:avLst/>
+          </a:prstGeom>
+          <a:noFill/>
+        </p:spPr>
+        <p:txBody>
+          <a:bodyPr wrap="square" rtlCol="0">
+            <a:spAutoFit/>
+          </a:bodyPr>
+          <a:lstStyle/>
+          <a:p>
+            <a:pPr marL="285750" indent="-285750">
+              <a:buFont typeface="Wingdings" pitchFamily="2" charset="2"/>
+              <a:buChar char="§"/>
+            </a:pPr>
+            <a:r>
+              <a:rPr lang="ru-RU" dirty="0"/>
+              <a:t>Взаимодействие с </a:t>
+            </a:r>
+            <a:r>
+              <a:rPr lang="en-US" dirty="0"/>
+              <a:t>HTTP/REST </a:t>
+            </a:r>
+            <a:r>
+              <a:rPr lang="ru-RU" dirty="0"/>
+              <a:t>сервисом – </a:t>
+            </a:r>
+            <a:r>
+              <a:rPr lang="en-US" dirty="0"/>
+              <a:t>HTTP connector</a:t>
+            </a:r>
+            <a:endParaRPr lang="ru-RU" dirty="0"/>
+          </a:p>
+          <a:p>
+            <a:pPr marL="285750" indent="-285750">
+              <a:buFont typeface="Wingdings" pitchFamily="2" charset="2"/>
+              <a:buChar char="§"/>
+            </a:pPr>
+            <a:r>
+              <a:rPr lang="ru-RU" dirty="0" err="1"/>
+              <a:t>Сериализация</a:t>
+            </a:r>
+            <a:r>
+              <a:rPr lang="ru-RU" dirty="0"/>
+              <a:t>, </a:t>
+            </a:r>
+            <a:r>
+              <a:rPr lang="ru-RU" dirty="0" err="1"/>
+              <a:t>десериализация</a:t>
+            </a:r>
+            <a:r>
+              <a:rPr lang="ru-RU" dirty="0"/>
+              <a:t>, </a:t>
+            </a:r>
+            <a:r>
+              <a:rPr lang="ru-RU" dirty="0" err="1"/>
+              <a:t>маппинг</a:t>
+            </a:r>
+            <a:r>
+              <a:rPr lang="ru-RU" dirty="0"/>
+              <a:t> </a:t>
+            </a:r>
+            <a:r>
+              <a:rPr lang="en-US" dirty="0"/>
+              <a:t>POJO – Camunda Spin</a:t>
+            </a:r>
+            <a:endParaRPr lang="ru-RU" dirty="0"/>
+          </a:p>
+        </p:txBody>
+      </p:sp>
+      <p:sp>
+        <p:nvSpPr>
+          <p:cNvPr id="5" name="TextBox 4">
+            <a:extLst>
+              <a:ext uri="{FF2B5EF4-FFF2-40B4-BE49-F238E27FC236}">
+                <a16:creationId xmlns:a16="http://schemas.microsoft.com/office/drawing/2014/main" id="{A36328A7-1196-574F-97A9-43BA708EB681}"/>
+              </a:ext>
+            </a:extLst>
+          </p:cNvPr>
+          <p:cNvSpPr txBox="1"/>
+          <p:nvPr/>
+        </p:nvSpPr>
+        <p:spPr>
+          <a:xfrm>
+            <a:off x="811369" y="2493733"/>
+            <a:ext cx="9144000" cy="4247317"/>
+          </a:xfrm>
+          <a:prstGeom prst="rect">
+            <a:avLst/>
+          </a:prstGeom>
+          <a:noFill/>
+        </p:spPr>
+        <p:txBody>
+          <a:bodyPr wrap="square" rtlCol="0">
+            <a:spAutoFit/>
+          </a:bodyPr>
+          <a:lstStyle/>
+          <a:p>
+            <a:r>
+              <a:rPr lang="ru-RU" dirty="0"/>
+              <a:t>Зависимости:</a:t>
+            </a:r>
+          </a:p>
+          <a:p>
+            <a:endParaRPr lang="ru-RU" dirty="0"/>
+          </a:p>
+          <a:p>
+            <a:r>
+              <a:rPr lang="ru-RU" dirty="0"/>
+              <a:t>Коннектор:</a:t>
+            </a:r>
+          </a:p>
+          <a:p>
+            <a:endParaRPr lang="ru-RU" dirty="0"/>
+          </a:p>
+          <a:p>
+            <a:pPr marL="285750" indent="-285750">
+              <a:buFont typeface="Arial" panose="020B0604020202020204" pitchFamily="34" charset="0"/>
+              <a:buChar char="•"/>
+            </a:pPr>
+            <a:r>
+              <a:rPr lang="en" dirty="0" err="1"/>
+              <a:t>camunda</a:t>
+            </a:r>
+            <a:r>
+              <a:rPr lang="en" dirty="0"/>
+              <a:t>-connect-core</a:t>
+            </a:r>
+            <a:endParaRPr lang="ru-RU" dirty="0"/>
+          </a:p>
+          <a:p>
+            <a:pPr marL="285750" indent="-285750">
+              <a:buFont typeface="Arial" panose="020B0604020202020204" pitchFamily="34" charset="0"/>
+              <a:buChar char="•"/>
+            </a:pPr>
+            <a:r>
+              <a:rPr lang="en" dirty="0" err="1"/>
+              <a:t>camunda</a:t>
+            </a:r>
+            <a:r>
+              <a:rPr lang="en" dirty="0"/>
+              <a:t>-connect-connectors-all</a:t>
+            </a:r>
+            <a:endParaRPr lang="ru-RU" dirty="0"/>
+          </a:p>
+          <a:p>
+            <a:pPr marL="285750" indent="-285750">
+              <a:buFont typeface="Arial" panose="020B0604020202020204" pitchFamily="34" charset="0"/>
+              <a:buChar char="•"/>
+            </a:pPr>
+            <a:endParaRPr lang="ru-RU" dirty="0"/>
+          </a:p>
+          <a:p>
+            <a:r>
+              <a:rPr lang="en-US" dirty="0"/>
+              <a:t>Spin:</a:t>
+            </a:r>
+          </a:p>
+          <a:p>
+            <a:endParaRPr lang="en-US" dirty="0"/>
+          </a:p>
+          <a:p>
+            <a:r>
+              <a:rPr lang="en" dirty="0" err="1"/>
+              <a:t>camunda</a:t>
+            </a:r>
+            <a:r>
+              <a:rPr lang="en" dirty="0"/>
+              <a:t>-spin-core</a:t>
+            </a:r>
+          </a:p>
+          <a:p>
+            <a:r>
+              <a:rPr lang="en" dirty="0" err="1"/>
+              <a:t>camunda</a:t>
+            </a:r>
+            <a:r>
+              <a:rPr lang="en" dirty="0"/>
+              <a:t>-engine-plugin-spin – </a:t>
+            </a:r>
+            <a:r>
+              <a:rPr lang="ru-RU" dirty="0"/>
+              <a:t>плагин для </a:t>
+            </a:r>
+            <a:r>
+              <a:rPr lang="ru-RU" dirty="0" err="1"/>
+              <a:t>маппинга</a:t>
+            </a:r>
+            <a:r>
+              <a:rPr lang="ru-RU" dirty="0"/>
+              <a:t> </a:t>
+            </a:r>
+            <a:r>
+              <a:rPr lang="en-US" dirty="0"/>
+              <a:t>POJO &lt;&gt; JSON</a:t>
+            </a:r>
+            <a:endParaRPr lang="en" dirty="0"/>
+          </a:p>
+          <a:p>
+            <a:r>
+              <a:rPr lang="en" dirty="0" err="1"/>
+              <a:t>camunda</a:t>
+            </a:r>
+            <a:r>
+              <a:rPr lang="en" dirty="0"/>
+              <a:t>-spin-</a:t>
+            </a:r>
+            <a:r>
+              <a:rPr lang="en" dirty="0" err="1"/>
+              <a:t>dataformat</a:t>
+            </a:r>
+            <a:r>
+              <a:rPr lang="en" dirty="0"/>
+              <a:t>-json-</a:t>
+            </a:r>
+            <a:r>
+              <a:rPr lang="en" dirty="0" err="1"/>
+              <a:t>jackson</a:t>
+            </a:r>
+            <a:r>
+              <a:rPr lang="en" dirty="0"/>
+              <a:t> </a:t>
+            </a:r>
+          </a:p>
+          <a:p>
+            <a:r>
+              <a:rPr lang="ru-RU" dirty="0"/>
+              <a:t>ИЛИ</a:t>
+            </a:r>
+          </a:p>
+          <a:p>
+            <a:r>
+              <a:rPr lang="en" dirty="0" err="1"/>
+              <a:t>camunda</a:t>
+            </a:r>
+            <a:r>
+              <a:rPr lang="en" dirty="0"/>
+              <a:t>-spin-</a:t>
+            </a:r>
+            <a:r>
+              <a:rPr lang="en" dirty="0" err="1"/>
+              <a:t>dataformat</a:t>
+            </a:r>
+            <a:r>
+              <a:rPr lang="en" dirty="0"/>
+              <a:t>-all</a:t>
+            </a:r>
+          </a:p>
+          <a:p>
+            <a:endParaRPr lang="ru-RU" dirty="0"/>
+          </a:p>
+        </p:txBody>
+      </p:sp>
+    </p:spTree>
+    <p:extLst>
+      <p:ext uri="{BB962C8B-B14F-4D97-AF65-F5344CB8AC3E}">
+        <p14:creationId xmlns:p14="http://schemas.microsoft.com/office/powerpoint/2010/main" val="1404182636"/>
+      </p:ext>
+    </p:extLst>
+  </p:cSld>
+  <p:clrMapOvr>
+    <a:masterClrMapping/>
+  </p:clrMapOvr>
+</p:sld>
+</file>
+
+<file path=ppt/slides/slide5.xml><?xml version="1.0" encoding="utf-8"?>
+<p:sld xmlns:a="http://schemas.openxmlformats.org/drawingml/2006/main" xmlns:r="http://schemas.openxmlformats.org/officeDocument/2006/relationships" xmlns:p="http://schemas.openxmlformats.org/presentationml/2006/main">
+  <p:cSld>
+    <p:spTree>
+      <p:nvGrpSpPr>
+        <p:cNvPr id="1" name=""/>
+        <p:cNvGrpSpPr/>
+        <p:nvPr/>
+      </p:nvGrpSpPr>
+      <p:grpSpPr>
+        <a:xfrm>
+          <a:off x="0" y="0"/>
+          <a:ext cx="0" cy="0"/>
+          <a:chOff x="0" y="0"/>
+          <a:chExt cx="0" cy="0"/>
+        </a:xfrm>
+      </p:grpSpPr>
+      <p:sp>
+        <p:nvSpPr>
+          <p:cNvPr id="2" name="Заголовок 1">
+            <a:extLst>
+              <a:ext uri="{FF2B5EF4-FFF2-40B4-BE49-F238E27FC236}">
+                <a16:creationId xmlns:a16="http://schemas.microsoft.com/office/drawing/2014/main" id="{C22E42EB-621D-5348-9BE9-EB9893DB88D1}"/>
+              </a:ext>
+            </a:extLst>
+          </p:cNvPr>
+          <p:cNvSpPr>
+            <a:spLocks noGrp="1"/>
+          </p:cNvSpPr>
+          <p:nvPr>
+            <p:ph type="title"/>
+          </p:nvPr>
+        </p:nvSpPr>
+        <p:spPr>
+          <a:xfrm>
+            <a:off x="677334" y="609600"/>
+            <a:ext cx="8596668" cy="711200"/>
+          </a:xfrm>
+        </p:spPr>
+        <p:txBody>
+          <a:bodyPr/>
+          <a:lstStyle/>
+          <a:p>
+            <a:r>
+              <a:rPr lang="en-US" dirty="0"/>
+              <a:t>TODO</a:t>
+            </a:r>
+            <a:endParaRPr lang="ru-RU" dirty="0"/>
+          </a:p>
+        </p:txBody>
+      </p:sp>
+      <p:sp>
+        <p:nvSpPr>
+          <p:cNvPr id="3" name="TextBox 2">
+            <a:extLst>
+              <a:ext uri="{FF2B5EF4-FFF2-40B4-BE49-F238E27FC236}">
+                <a16:creationId xmlns:a16="http://schemas.microsoft.com/office/drawing/2014/main" id="{34C27655-A3DB-774A-A065-96A959757377}"/>
+              </a:ext>
+            </a:extLst>
+          </p:cNvPr>
+          <p:cNvSpPr txBox="1"/>
+          <p:nvPr/>
+        </p:nvSpPr>
+        <p:spPr>
+          <a:xfrm>
+            <a:off x="785611" y="1944710"/>
+            <a:ext cx="5439438" cy="1200329"/>
+          </a:xfrm>
+          <a:prstGeom prst="rect">
+            <a:avLst/>
+          </a:prstGeom>
+          <a:noFill/>
+        </p:spPr>
+        <p:txBody>
+          <a:bodyPr wrap="none" rtlCol="0">
+            <a:spAutoFit/>
+          </a:bodyPr>
+          <a:lstStyle/>
+          <a:p>
+            <a:pPr marL="285750" indent="-285750">
+              <a:buFont typeface="Wingdings" pitchFamily="2" charset="2"/>
+              <a:buChar char="§"/>
+            </a:pPr>
+            <a:r>
+              <a:rPr lang="ru-RU" dirty="0"/>
+              <a:t>Подключить зависимости</a:t>
+            </a:r>
+          </a:p>
+          <a:p>
+            <a:pPr marL="285750" indent="-285750">
+              <a:buFont typeface="Wingdings" pitchFamily="2" charset="2"/>
+              <a:buChar char="§"/>
+            </a:pPr>
+            <a:r>
+              <a:rPr lang="ru-RU" dirty="0"/>
+              <a:t>Создать </a:t>
+            </a:r>
+            <a:r>
+              <a:rPr lang="en-US" dirty="0"/>
+              <a:t>domain-</a:t>
+            </a:r>
+            <a:r>
+              <a:rPr lang="ru-RU" dirty="0"/>
+              <a:t>класс</a:t>
+            </a:r>
+          </a:p>
+          <a:p>
+            <a:pPr marL="285750" indent="-285750">
+              <a:buFont typeface="Wingdings" pitchFamily="2" charset="2"/>
+              <a:buChar char="§"/>
+            </a:pPr>
+            <a:r>
+              <a:rPr lang="ru-RU" dirty="0"/>
+              <a:t>Реализовать взаимодействие с </a:t>
+            </a:r>
+            <a:r>
+              <a:rPr lang="en-US" dirty="0"/>
+              <a:t>REST-</a:t>
+            </a:r>
+            <a:r>
+              <a:rPr lang="ru-RU" dirty="0"/>
+              <a:t>сервисом</a:t>
+            </a:r>
+          </a:p>
+          <a:p>
+            <a:pPr marL="285750" indent="-285750">
+              <a:buFont typeface="Wingdings" pitchFamily="2" charset="2"/>
+              <a:buChar char="§"/>
+            </a:pPr>
+            <a:r>
+              <a:rPr lang="ru-RU" dirty="0"/>
+              <a:t>Выполнить </a:t>
+            </a:r>
+            <a:r>
+              <a:rPr lang="ru-RU" dirty="0" err="1"/>
+              <a:t>сериализацию</a:t>
+            </a:r>
+            <a:r>
+              <a:rPr lang="ru-RU" dirty="0"/>
+              <a:t> объекта</a:t>
+            </a:r>
+          </a:p>
+        </p:txBody>
+      </p:sp>
+    </p:spTree>
+    <p:extLst>
+      <p:ext uri="{BB962C8B-B14F-4D97-AF65-F5344CB8AC3E}">
+        <p14:creationId xmlns:p14="http://schemas.microsoft.com/office/powerpoint/2010/main" val="3811826148"/>
       </p:ext>
     </p:extLst>
   </p:cSld>
